--- a/presentations/vcs-git-and-github.pptx
+++ b/presentations/vcs-git-and-github.pptx
@@ -6,7 +6,7 @@
     <p:sldMasterId id="2147483806" r:id="rId5"/>
   </p:sldMasterIdLst>
   <p:notesMasterIdLst>
-    <p:notesMasterId r:id="rId21"/>
+    <p:notesMasterId r:id="rId22"/>
   </p:notesMasterIdLst>
   <p:sldIdLst>
     <p:sldId id="256" r:id="rId6"/>
@@ -21,9 +21,10 @@
     <p:sldId id="4508" r:id="rId15"/>
     <p:sldId id="4509" r:id="rId16"/>
     <p:sldId id="4510" r:id="rId17"/>
-    <p:sldId id="4511" r:id="rId18"/>
-    <p:sldId id="4492" r:id="rId19"/>
-    <p:sldId id="266" r:id="rId20"/>
+    <p:sldId id="4512" r:id="rId18"/>
+    <p:sldId id="4511" r:id="rId19"/>
+    <p:sldId id="4492" r:id="rId20"/>
+    <p:sldId id="266" r:id="rId21"/>
   </p:sldIdLst>
   <p:sldSz cx="12192000" cy="6858000"/>
   <p:notesSz cx="6858000" cy="9144000"/>
@@ -574,6 +575,90 @@
     <p:extLst>
       <p:ext uri="{BB962C8B-B14F-4D97-AF65-F5344CB8AC3E}">
         <p14:creationId xmlns:p14="http://schemas.microsoft.com/office/powerpoint/2010/main" val="2822015979"/>
+      </p:ext>
+    </p:extLst>
+  </p:cSld>
+  <p:clrMapOvr>
+    <a:masterClrMapping/>
+  </p:clrMapOvr>
+</p:notes>
+</file>
+
+<file path=ppt/notesSlides/notesSlide2.xml><?xml version="1.0" encoding="utf-8"?>
+<p:notes xmlns:a="http://schemas.openxmlformats.org/drawingml/2006/main" xmlns:r="http://schemas.openxmlformats.org/officeDocument/2006/relationships" xmlns:p="http://schemas.openxmlformats.org/presentationml/2006/main">
+  <p:cSld>
+    <p:spTree>
+      <p:nvGrpSpPr>
+        <p:cNvPr id="1" name=""/>
+        <p:cNvGrpSpPr/>
+        <p:nvPr/>
+      </p:nvGrpSpPr>
+      <p:grpSpPr>
+        <a:xfrm>
+          <a:off x="0" y="0"/>
+          <a:ext cx="0" cy="0"/>
+          <a:chOff x="0" y="0"/>
+          <a:chExt cx="0" cy="0"/>
+        </a:xfrm>
+      </p:grpSpPr>
+      <p:sp>
+        <p:nvSpPr>
+          <p:cNvPr id="2" name="Slide Image Placeholder 1"/>
+          <p:cNvSpPr>
+            <a:spLocks noGrp="1" noRot="1" noChangeAspect="1"/>
+          </p:cNvSpPr>
+          <p:nvPr>
+            <p:ph type="sldImg"/>
+          </p:nvPr>
+        </p:nvSpPr>
+        <p:spPr/>
+      </p:sp>
+      <p:sp>
+        <p:nvSpPr>
+          <p:cNvPr id="3" name="Notes Placeholder 2"/>
+          <p:cNvSpPr>
+            <a:spLocks noGrp="1"/>
+          </p:cNvSpPr>
+          <p:nvPr>
+            <p:ph type="body" idx="1"/>
+          </p:nvPr>
+        </p:nvSpPr>
+        <p:spPr/>
+        <p:txBody>
+          <a:bodyPr/>
+          <a:lstStyle/>
+          <a:p>
+            <a:endParaRPr lang="en-GB" dirty="0"/>
+          </a:p>
+        </p:txBody>
+      </p:sp>
+      <p:sp>
+        <p:nvSpPr>
+          <p:cNvPr id="4" name="Slide Number Placeholder 3"/>
+          <p:cNvSpPr>
+            <a:spLocks noGrp="1"/>
+          </p:cNvSpPr>
+          <p:nvPr>
+            <p:ph type="sldNum" sz="quarter" idx="5"/>
+          </p:nvPr>
+        </p:nvSpPr>
+        <p:spPr/>
+        <p:txBody>
+          <a:bodyPr/>
+          <a:lstStyle/>
+          <a:p>
+            <a:fld id="{89B4FF2C-5262-47ED-8A93-F0C639F12CB5}" type="slidenum">
+              <a:rPr lang="en-GB" smtClean="0"/>
+              <a:t>15</a:t>
+            </a:fld>
+            <a:endParaRPr lang="en-GB"/>
+          </a:p>
+        </p:txBody>
+      </p:sp>
+    </p:spTree>
+    <p:extLst>
+      <p:ext uri="{BB962C8B-B14F-4D97-AF65-F5344CB8AC3E}">
+        <p14:creationId xmlns:p14="http://schemas.microsoft.com/office/powerpoint/2010/main" val="1759498321"/>
       </p:ext>
     </p:extLst>
   </p:cSld>
@@ -14161,6 +14246,1316 @@
           <a:chExt cx="0" cy="0"/>
         </a:xfrm>
       </p:grpSpPr>
+      <p:sp>
+        <p:nvSpPr>
+          <p:cNvPr id="2" name="Title 1">
+            <a:extLst>
+              <a:ext uri="{FF2B5EF4-FFF2-40B4-BE49-F238E27FC236}">
+                <a16:creationId xmlns:a16="http://schemas.microsoft.com/office/drawing/2014/main" id="{B491CE7B-F9F5-46CD-A445-545C61DE374A}"/>
+              </a:ext>
+            </a:extLst>
+          </p:cNvPr>
+          <p:cNvSpPr>
+            <a:spLocks noGrp="1"/>
+          </p:cNvSpPr>
+          <p:nvPr>
+            <p:ph type="title"/>
+          </p:nvPr>
+        </p:nvSpPr>
+        <p:spPr/>
+        <p:txBody>
+          <a:bodyPr/>
+          <a:lstStyle/>
+          <a:p>
+            <a:r>
+              <a:rPr lang="en-GB" dirty="0"/>
+              <a:t>Feature development with GitHub</a:t>
+            </a:r>
+            <a:endParaRPr lang="en-US" dirty="0"/>
+          </a:p>
+        </p:txBody>
+      </p:sp>
+      <p:sp>
+        <p:nvSpPr>
+          <p:cNvPr id="4" name="Footer Placeholder 3">
+            <a:extLst>
+              <a:ext uri="{FF2B5EF4-FFF2-40B4-BE49-F238E27FC236}">
+                <a16:creationId xmlns:a16="http://schemas.microsoft.com/office/drawing/2014/main" id="{8F3824E5-9699-4B33-9D02-5717D5472D31}"/>
+              </a:ext>
+            </a:extLst>
+          </p:cNvPr>
+          <p:cNvSpPr>
+            <a:spLocks noGrp="1"/>
+          </p:cNvSpPr>
+          <p:nvPr>
+            <p:ph type="ftr" sz="quarter" idx="11"/>
+          </p:nvPr>
+        </p:nvSpPr>
+        <p:spPr/>
+        <p:txBody>
+          <a:bodyPr/>
+          <a:lstStyle/>
+          <a:p>
+            <a:r>
+              <a:rPr lang="en-GB" dirty="0"/>
+              <a:t>Version Control, Git and GitHub</a:t>
+            </a:r>
+          </a:p>
+        </p:txBody>
+      </p:sp>
+      <p:sp>
+        <p:nvSpPr>
+          <p:cNvPr id="5" name="Slide Number Placeholder 4">
+            <a:extLst>
+              <a:ext uri="{FF2B5EF4-FFF2-40B4-BE49-F238E27FC236}">
+                <a16:creationId xmlns:a16="http://schemas.microsoft.com/office/drawing/2014/main" id="{13157828-AA0E-4DAA-BC18-96D423FBB5F7}"/>
+              </a:ext>
+            </a:extLst>
+          </p:cNvPr>
+          <p:cNvSpPr>
+            <a:spLocks noGrp="1"/>
+          </p:cNvSpPr>
+          <p:nvPr>
+            <p:ph type="sldNum" sz="quarter" idx="12"/>
+          </p:nvPr>
+        </p:nvSpPr>
+        <p:spPr/>
+        <p:txBody>
+          <a:bodyPr/>
+          <a:lstStyle/>
+          <a:p>
+            <a:fld id="{BC3375C0-E832-4564-9B1D-553F653E3826}" type="slidenum">
+              <a:rPr lang="en-GB" smtClean="0"/>
+              <a:t>13</a:t>
+            </a:fld>
+            <a:endParaRPr lang="en-GB"/>
+          </a:p>
+        </p:txBody>
+      </p:sp>
+      <p:pic>
+        <p:nvPicPr>
+          <p:cNvPr id="7" name="Picture 6" descr="Diagram&#10;&#10;Description automatically generated">
+            <a:extLst>
+              <a:ext uri="{FF2B5EF4-FFF2-40B4-BE49-F238E27FC236}">
+                <a16:creationId xmlns:a16="http://schemas.microsoft.com/office/drawing/2014/main" id="{E4E32A40-715C-4E07-AD4D-14CA50E32D24}"/>
+              </a:ext>
+            </a:extLst>
+          </p:cNvPr>
+          <p:cNvPicPr>
+            <a:picLocks noChangeAspect="1"/>
+          </p:cNvPicPr>
+          <p:nvPr/>
+        </p:nvPicPr>
+        <p:blipFill>
+          <a:blip r:embed="rId2">
+            <a:clrChange>
+              <a:clrFrom>
+                <a:srgbClr val="FFFFFF"/>
+              </a:clrFrom>
+              <a:clrTo>
+                <a:srgbClr val="FFFFFF">
+                  <a:alpha val="0"/>
+                </a:srgbClr>
+              </a:clrTo>
+            </a:clrChange>
+            <a:extLst>
+              <a:ext uri="{28A0092B-C50C-407E-A947-70E740481C1C}">
+                <a14:useLocalDpi xmlns:a14="http://schemas.microsoft.com/office/drawing/2010/main" val="0"/>
+              </a:ext>
+            </a:extLst>
+          </a:blip>
+          <a:stretch>
+            <a:fillRect/>
+          </a:stretch>
+        </p:blipFill>
+        <p:spPr>
+          <a:xfrm>
+            <a:off x="2171699" y="1731106"/>
+            <a:ext cx="8086725" cy="4663345"/>
+          </a:xfrm>
+          <a:prstGeom prst="rect">
+            <a:avLst/>
+          </a:prstGeom>
+        </p:spPr>
+      </p:pic>
+      <p:pic>
+        <p:nvPicPr>
+          <p:cNvPr id="6" name="Picture 5" descr="Diagram&#10;&#10;Description automatically generated">
+            <a:extLst>
+              <a:ext uri="{FF2B5EF4-FFF2-40B4-BE49-F238E27FC236}">
+                <a16:creationId xmlns:a16="http://schemas.microsoft.com/office/drawing/2014/main" id="{03F7A354-3B95-4452-8345-F3559346FF6A}"/>
+              </a:ext>
+            </a:extLst>
+          </p:cNvPr>
+          <p:cNvPicPr>
+            <a:picLocks noChangeAspect="1"/>
+          </p:cNvPicPr>
+          <p:nvPr/>
+        </p:nvPicPr>
+        <p:blipFill rotWithShape="1">
+          <a:blip r:embed="rId2">
+            <a:clrChange>
+              <a:clrFrom>
+                <a:srgbClr val="FFFFFF"/>
+              </a:clrFrom>
+              <a:clrTo>
+                <a:srgbClr val="FFFFFF">
+                  <a:alpha val="0"/>
+                </a:srgbClr>
+              </a:clrTo>
+            </a:clrChange>
+            <a:extLst>
+              <a:ext uri="{28A0092B-C50C-407E-A947-70E740481C1C}">
+                <a14:useLocalDpi xmlns:a14="http://schemas.microsoft.com/office/drawing/2010/main" val="0"/>
+              </a:ext>
+            </a:extLst>
+          </a:blip>
+          <a:srcRect t="36467" r="83027" b="26495"/>
+          <a:stretch/>
+        </p:blipFill>
+        <p:spPr>
+          <a:xfrm>
+            <a:off x="362438" y="1933893"/>
+            <a:ext cx="1372578" cy="1727200"/>
+          </a:xfrm>
+          <a:prstGeom prst="rect">
+            <a:avLst/>
+          </a:prstGeom>
+        </p:spPr>
+      </p:pic>
+      <p:pic>
+        <p:nvPicPr>
+          <p:cNvPr id="8" name="Picture 7" descr="Diagram&#10;&#10;Description automatically generated">
+            <a:extLst>
+              <a:ext uri="{FF2B5EF4-FFF2-40B4-BE49-F238E27FC236}">
+                <a16:creationId xmlns:a16="http://schemas.microsoft.com/office/drawing/2014/main" id="{783983B9-0515-4A7B-8356-DB2189A5E475}"/>
+              </a:ext>
+            </a:extLst>
+          </p:cNvPr>
+          <p:cNvPicPr>
+            <a:picLocks noChangeAspect="1"/>
+          </p:cNvPicPr>
+          <p:nvPr/>
+        </p:nvPicPr>
+        <p:blipFill rotWithShape="1">
+          <a:blip r:embed="rId2">
+            <a:clrChange>
+              <a:clrFrom>
+                <a:srgbClr val="FFFFFF"/>
+              </a:clrFrom>
+              <a:clrTo>
+                <a:srgbClr val="FFFFFF">
+                  <a:alpha val="0"/>
+                </a:srgbClr>
+              </a:clrTo>
+            </a:clrChange>
+            <a:extLst>
+              <a:ext uri="{28A0092B-C50C-407E-A947-70E740481C1C}">
+                <a14:useLocalDpi xmlns:a14="http://schemas.microsoft.com/office/drawing/2010/main" val="0"/>
+              </a:ext>
+            </a:extLst>
+          </a:blip>
+          <a:srcRect l="58725" t="25314" r="36250" b="63122"/>
+          <a:stretch/>
+        </p:blipFill>
+        <p:spPr>
+          <a:xfrm>
+            <a:off x="1968498" y="3355279"/>
+            <a:ext cx="406401" cy="539262"/>
+          </a:xfrm>
+          <a:prstGeom prst="rect">
+            <a:avLst/>
+          </a:prstGeom>
+        </p:spPr>
+      </p:pic>
+      <p:sp>
+        <p:nvSpPr>
+          <p:cNvPr id="3" name="Freeform: Shape 2">
+            <a:extLst>
+              <a:ext uri="{FF2B5EF4-FFF2-40B4-BE49-F238E27FC236}">
+                <a16:creationId xmlns:a16="http://schemas.microsoft.com/office/drawing/2014/main" id="{7116222D-111D-4205-B0E3-842F84155D08}"/>
+              </a:ext>
+            </a:extLst>
+          </p:cNvPr>
+          <p:cNvSpPr/>
+          <p:nvPr/>
+        </p:nvSpPr>
+        <p:spPr>
+          <a:xfrm>
+            <a:off x="358528" y="1797124"/>
+            <a:ext cx="1813170" cy="2047631"/>
+          </a:xfrm>
+          <a:custGeom>
+            <a:avLst/>
+            <a:gdLst>
+              <a:gd name="connsiteX0" fmla="*/ 0 w 1813170"/>
+              <a:gd name="connsiteY0" fmla="*/ 1047261 h 2047631"/>
+              <a:gd name="connsiteX1" fmla="*/ 31262 w 1813170"/>
+              <a:gd name="connsiteY1" fmla="*/ 1883508 h 2047631"/>
+              <a:gd name="connsiteX2" fmla="*/ 101600 w 1813170"/>
+              <a:gd name="connsiteY2" fmla="*/ 1930400 h 2047631"/>
+              <a:gd name="connsiteX3" fmla="*/ 992554 w 1813170"/>
+              <a:gd name="connsiteY3" fmla="*/ 2047631 h 2047631"/>
+              <a:gd name="connsiteX4" fmla="*/ 1656862 w 1813170"/>
+              <a:gd name="connsiteY4" fmla="*/ 1820985 h 2047631"/>
+              <a:gd name="connsiteX5" fmla="*/ 1813170 w 1813170"/>
+              <a:gd name="connsiteY5" fmla="*/ 1445846 h 2047631"/>
+              <a:gd name="connsiteX6" fmla="*/ 1735016 w 1813170"/>
+              <a:gd name="connsiteY6" fmla="*/ 171938 h 2047631"/>
+              <a:gd name="connsiteX7" fmla="*/ 1078523 w 1813170"/>
+              <a:gd name="connsiteY7" fmla="*/ 0 h 2047631"/>
+              <a:gd name="connsiteX8" fmla="*/ 375139 w 1813170"/>
+              <a:gd name="connsiteY8" fmla="*/ 78154 h 2047631"/>
+              <a:gd name="connsiteX9" fmla="*/ 0 w 1813170"/>
+              <a:gd name="connsiteY9" fmla="*/ 664308 h 2047631"/>
+              <a:gd name="connsiteX10" fmla="*/ 0 w 1813170"/>
+              <a:gd name="connsiteY10" fmla="*/ 1047261 h 2047631"/>
+            </a:gdLst>
+            <a:ahLst/>
+            <a:cxnLst>
+              <a:cxn ang="0">
+                <a:pos x="connsiteX0" y="connsiteY0"/>
+              </a:cxn>
+              <a:cxn ang="0">
+                <a:pos x="connsiteX1" y="connsiteY1"/>
+              </a:cxn>
+              <a:cxn ang="0">
+                <a:pos x="connsiteX2" y="connsiteY2"/>
+              </a:cxn>
+              <a:cxn ang="0">
+                <a:pos x="connsiteX3" y="connsiteY3"/>
+              </a:cxn>
+              <a:cxn ang="0">
+                <a:pos x="connsiteX4" y="connsiteY4"/>
+              </a:cxn>
+              <a:cxn ang="0">
+                <a:pos x="connsiteX5" y="connsiteY5"/>
+              </a:cxn>
+              <a:cxn ang="0">
+                <a:pos x="connsiteX6" y="connsiteY6"/>
+              </a:cxn>
+              <a:cxn ang="0">
+                <a:pos x="connsiteX7" y="connsiteY7"/>
+              </a:cxn>
+              <a:cxn ang="0">
+                <a:pos x="connsiteX8" y="connsiteY8"/>
+              </a:cxn>
+              <a:cxn ang="0">
+                <a:pos x="connsiteX9" y="connsiteY9"/>
+              </a:cxn>
+              <a:cxn ang="0">
+                <a:pos x="connsiteX10" y="connsiteY10"/>
+              </a:cxn>
+            </a:cxnLst>
+            <a:rect l="l" t="t" r="r" b="b"/>
+            <a:pathLst>
+              <a:path w="1813170" h="2047631">
+                <a:moveTo>
+                  <a:pt x="0" y="1047261"/>
+                </a:moveTo>
+                <a:lnTo>
+                  <a:pt x="31262" y="1883508"/>
+                </a:lnTo>
+                <a:lnTo>
+                  <a:pt x="101600" y="1930400"/>
+                </a:lnTo>
+                <a:lnTo>
+                  <a:pt x="992554" y="2047631"/>
+                </a:lnTo>
+                <a:lnTo>
+                  <a:pt x="1656862" y="1820985"/>
+                </a:lnTo>
+                <a:lnTo>
+                  <a:pt x="1813170" y="1445846"/>
+                </a:lnTo>
+                <a:lnTo>
+                  <a:pt x="1735016" y="171938"/>
+                </a:lnTo>
+                <a:lnTo>
+                  <a:pt x="1078523" y="0"/>
+                </a:lnTo>
+                <a:lnTo>
+                  <a:pt x="375139" y="78154"/>
+                </a:lnTo>
+                <a:lnTo>
+                  <a:pt x="0" y="664308"/>
+                </a:lnTo>
+                <a:lnTo>
+                  <a:pt x="0" y="1047261"/>
+                </a:lnTo>
+                <a:close/>
+              </a:path>
+            </a:pathLst>
+          </a:custGeom>
+          <a:solidFill>
+            <a:srgbClr val="1EBCC8">
+              <a:alpha val="27843"/>
+            </a:srgbClr>
+          </a:solidFill>
+        </p:spPr>
+        <p:style>
+          <a:lnRef idx="2">
+            <a:schemeClr val="accent1">
+              <a:shade val="50000"/>
+            </a:schemeClr>
+          </a:lnRef>
+          <a:fillRef idx="1">
+            <a:schemeClr val="accent1"/>
+          </a:fillRef>
+          <a:effectRef idx="0">
+            <a:schemeClr val="accent1"/>
+          </a:effectRef>
+          <a:fontRef idx="minor">
+            <a:schemeClr val="lt1"/>
+          </a:fontRef>
+        </p:style>
+        <p:txBody>
+          <a:bodyPr rtlCol="0" anchor="ctr"/>
+          <a:lstStyle/>
+          <a:p>
+            <a:pPr algn="ctr"/>
+            <a:endParaRPr lang="en-GB"/>
+          </a:p>
+        </p:txBody>
+      </p:sp>
+      <p:sp>
+        <p:nvSpPr>
+          <p:cNvPr id="10" name="Freeform: Shape 9">
+            <a:extLst>
+              <a:ext uri="{FF2B5EF4-FFF2-40B4-BE49-F238E27FC236}">
+                <a16:creationId xmlns:a16="http://schemas.microsoft.com/office/drawing/2014/main" id="{E5470588-9886-4F3B-870D-B607F5C5DACE}"/>
+              </a:ext>
+            </a:extLst>
+          </p:cNvPr>
+          <p:cNvSpPr/>
+          <p:nvPr/>
+        </p:nvSpPr>
+        <p:spPr>
+          <a:xfrm>
+            <a:off x="2110154" y="1774092"/>
+            <a:ext cx="4767384" cy="3438770"/>
+          </a:xfrm>
+          <a:custGeom>
+            <a:avLst/>
+            <a:gdLst>
+              <a:gd name="connsiteX0" fmla="*/ 0 w 4767384"/>
+              <a:gd name="connsiteY0" fmla="*/ 1781908 h 3438770"/>
+              <a:gd name="connsiteX1" fmla="*/ 15631 w 4767384"/>
+              <a:gd name="connsiteY1" fmla="*/ 3438770 h 3438770"/>
+              <a:gd name="connsiteX2" fmla="*/ 1141046 w 4767384"/>
+              <a:gd name="connsiteY2" fmla="*/ 3415323 h 3438770"/>
+              <a:gd name="connsiteX3" fmla="*/ 1492738 w 4767384"/>
+              <a:gd name="connsiteY3" fmla="*/ 3173046 h 3438770"/>
+              <a:gd name="connsiteX4" fmla="*/ 1461477 w 4767384"/>
+              <a:gd name="connsiteY4" fmla="*/ 2071077 h 3438770"/>
+              <a:gd name="connsiteX5" fmla="*/ 2133600 w 4767384"/>
+              <a:gd name="connsiteY5" fmla="*/ 1195754 h 3438770"/>
+              <a:gd name="connsiteX6" fmla="*/ 2821354 w 4767384"/>
+              <a:gd name="connsiteY6" fmla="*/ 1195754 h 3438770"/>
+              <a:gd name="connsiteX7" fmla="*/ 2876061 w 4767384"/>
+              <a:gd name="connsiteY7" fmla="*/ 1609970 h 3438770"/>
+              <a:gd name="connsiteX8" fmla="*/ 3133969 w 4767384"/>
+              <a:gd name="connsiteY8" fmla="*/ 1860062 h 3438770"/>
+              <a:gd name="connsiteX9" fmla="*/ 4079631 w 4767384"/>
+              <a:gd name="connsiteY9" fmla="*/ 1922585 h 3438770"/>
+              <a:gd name="connsiteX10" fmla="*/ 4290646 w 4767384"/>
+              <a:gd name="connsiteY10" fmla="*/ 1227016 h 3438770"/>
+              <a:gd name="connsiteX11" fmla="*/ 4767384 w 4767384"/>
+              <a:gd name="connsiteY11" fmla="*/ 1227016 h 3438770"/>
+              <a:gd name="connsiteX12" fmla="*/ 4751754 w 4767384"/>
+              <a:gd name="connsiteY12" fmla="*/ 945662 h 3438770"/>
+              <a:gd name="connsiteX13" fmla="*/ 4275015 w 4767384"/>
+              <a:gd name="connsiteY13" fmla="*/ 898770 h 3438770"/>
+              <a:gd name="connsiteX14" fmla="*/ 4134338 w 4767384"/>
+              <a:gd name="connsiteY14" fmla="*/ 179754 h 3438770"/>
+              <a:gd name="connsiteX15" fmla="*/ 3665415 w 4767384"/>
+              <a:gd name="connsiteY15" fmla="*/ 0 h 3438770"/>
+              <a:gd name="connsiteX16" fmla="*/ 3133969 w 4767384"/>
+              <a:gd name="connsiteY16" fmla="*/ 179754 h 3438770"/>
+              <a:gd name="connsiteX17" fmla="*/ 2954215 w 4767384"/>
+              <a:gd name="connsiteY17" fmla="*/ 508000 h 3438770"/>
+              <a:gd name="connsiteX18" fmla="*/ 398584 w 4767384"/>
+              <a:gd name="connsiteY18" fmla="*/ 476739 h 3438770"/>
+              <a:gd name="connsiteX19" fmla="*/ 429846 w 4767384"/>
+              <a:gd name="connsiteY19" fmla="*/ 1000370 h 3438770"/>
+              <a:gd name="connsiteX20" fmla="*/ 1844431 w 4767384"/>
+              <a:gd name="connsiteY20" fmla="*/ 1031631 h 3438770"/>
+              <a:gd name="connsiteX21" fmla="*/ 1344246 w 4767384"/>
+              <a:gd name="connsiteY21" fmla="*/ 1602154 h 3438770"/>
+              <a:gd name="connsiteX22" fmla="*/ 289169 w 4767384"/>
+              <a:gd name="connsiteY22" fmla="*/ 1609970 h 3438770"/>
+              <a:gd name="connsiteX23" fmla="*/ 0 w 4767384"/>
+              <a:gd name="connsiteY23" fmla="*/ 1781908 h 3438770"/>
+            </a:gdLst>
+            <a:ahLst/>
+            <a:cxnLst>
+              <a:cxn ang="0">
+                <a:pos x="connsiteX0" y="connsiteY0"/>
+              </a:cxn>
+              <a:cxn ang="0">
+                <a:pos x="connsiteX1" y="connsiteY1"/>
+              </a:cxn>
+              <a:cxn ang="0">
+                <a:pos x="connsiteX2" y="connsiteY2"/>
+              </a:cxn>
+              <a:cxn ang="0">
+                <a:pos x="connsiteX3" y="connsiteY3"/>
+              </a:cxn>
+              <a:cxn ang="0">
+                <a:pos x="connsiteX4" y="connsiteY4"/>
+              </a:cxn>
+              <a:cxn ang="0">
+                <a:pos x="connsiteX5" y="connsiteY5"/>
+              </a:cxn>
+              <a:cxn ang="0">
+                <a:pos x="connsiteX6" y="connsiteY6"/>
+              </a:cxn>
+              <a:cxn ang="0">
+                <a:pos x="connsiteX7" y="connsiteY7"/>
+              </a:cxn>
+              <a:cxn ang="0">
+                <a:pos x="connsiteX8" y="connsiteY8"/>
+              </a:cxn>
+              <a:cxn ang="0">
+                <a:pos x="connsiteX9" y="connsiteY9"/>
+              </a:cxn>
+              <a:cxn ang="0">
+                <a:pos x="connsiteX10" y="connsiteY10"/>
+              </a:cxn>
+              <a:cxn ang="0">
+                <a:pos x="connsiteX11" y="connsiteY11"/>
+              </a:cxn>
+              <a:cxn ang="0">
+                <a:pos x="connsiteX12" y="connsiteY12"/>
+              </a:cxn>
+              <a:cxn ang="0">
+                <a:pos x="connsiteX13" y="connsiteY13"/>
+              </a:cxn>
+              <a:cxn ang="0">
+                <a:pos x="connsiteX14" y="connsiteY14"/>
+              </a:cxn>
+              <a:cxn ang="0">
+                <a:pos x="connsiteX15" y="connsiteY15"/>
+              </a:cxn>
+              <a:cxn ang="0">
+                <a:pos x="connsiteX16" y="connsiteY16"/>
+              </a:cxn>
+              <a:cxn ang="0">
+                <a:pos x="connsiteX17" y="connsiteY17"/>
+              </a:cxn>
+              <a:cxn ang="0">
+                <a:pos x="connsiteX18" y="connsiteY18"/>
+              </a:cxn>
+              <a:cxn ang="0">
+                <a:pos x="connsiteX19" y="connsiteY19"/>
+              </a:cxn>
+              <a:cxn ang="0">
+                <a:pos x="connsiteX20" y="connsiteY20"/>
+              </a:cxn>
+              <a:cxn ang="0">
+                <a:pos x="connsiteX21" y="connsiteY21"/>
+              </a:cxn>
+              <a:cxn ang="0">
+                <a:pos x="connsiteX22" y="connsiteY22"/>
+              </a:cxn>
+              <a:cxn ang="0">
+                <a:pos x="connsiteX23" y="connsiteY23"/>
+              </a:cxn>
+            </a:cxnLst>
+            <a:rect l="l" t="t" r="r" b="b"/>
+            <a:pathLst>
+              <a:path w="4767384" h="3438770">
+                <a:moveTo>
+                  <a:pt x="0" y="1781908"/>
+                </a:moveTo>
+                <a:lnTo>
+                  <a:pt x="15631" y="3438770"/>
+                </a:lnTo>
+                <a:lnTo>
+                  <a:pt x="1141046" y="3415323"/>
+                </a:lnTo>
+                <a:lnTo>
+                  <a:pt x="1492738" y="3173046"/>
+                </a:lnTo>
+                <a:lnTo>
+                  <a:pt x="1461477" y="2071077"/>
+                </a:lnTo>
+                <a:lnTo>
+                  <a:pt x="2133600" y="1195754"/>
+                </a:lnTo>
+                <a:lnTo>
+                  <a:pt x="2821354" y="1195754"/>
+                </a:lnTo>
+                <a:lnTo>
+                  <a:pt x="2876061" y="1609970"/>
+                </a:lnTo>
+                <a:lnTo>
+                  <a:pt x="3133969" y="1860062"/>
+                </a:lnTo>
+                <a:lnTo>
+                  <a:pt x="4079631" y="1922585"/>
+                </a:lnTo>
+                <a:lnTo>
+                  <a:pt x="4290646" y="1227016"/>
+                </a:lnTo>
+                <a:lnTo>
+                  <a:pt x="4767384" y="1227016"/>
+                </a:lnTo>
+                <a:lnTo>
+                  <a:pt x="4751754" y="945662"/>
+                </a:lnTo>
+                <a:lnTo>
+                  <a:pt x="4275015" y="898770"/>
+                </a:lnTo>
+                <a:lnTo>
+                  <a:pt x="4134338" y="179754"/>
+                </a:lnTo>
+                <a:lnTo>
+                  <a:pt x="3665415" y="0"/>
+                </a:lnTo>
+                <a:lnTo>
+                  <a:pt x="3133969" y="179754"/>
+                </a:lnTo>
+                <a:lnTo>
+                  <a:pt x="2954215" y="508000"/>
+                </a:lnTo>
+                <a:lnTo>
+                  <a:pt x="398584" y="476739"/>
+                </a:lnTo>
+                <a:lnTo>
+                  <a:pt x="429846" y="1000370"/>
+                </a:lnTo>
+                <a:lnTo>
+                  <a:pt x="1844431" y="1031631"/>
+                </a:lnTo>
+                <a:lnTo>
+                  <a:pt x="1344246" y="1602154"/>
+                </a:lnTo>
+                <a:lnTo>
+                  <a:pt x="289169" y="1609970"/>
+                </a:lnTo>
+                <a:lnTo>
+                  <a:pt x="0" y="1781908"/>
+                </a:lnTo>
+                <a:close/>
+              </a:path>
+            </a:pathLst>
+          </a:custGeom>
+          <a:solidFill>
+            <a:srgbClr val="FF8109">
+              <a:alpha val="27843"/>
+            </a:srgbClr>
+          </a:solidFill>
+        </p:spPr>
+        <p:style>
+          <a:lnRef idx="2">
+            <a:schemeClr val="accent4">
+              <a:shade val="50000"/>
+            </a:schemeClr>
+          </a:lnRef>
+          <a:fillRef idx="1">
+            <a:schemeClr val="accent4"/>
+          </a:fillRef>
+          <a:effectRef idx="0">
+            <a:schemeClr val="accent4"/>
+          </a:effectRef>
+          <a:fontRef idx="minor">
+            <a:schemeClr val="lt1"/>
+          </a:fontRef>
+        </p:style>
+        <p:txBody>
+          <a:bodyPr rtlCol="0" anchor="ctr"/>
+          <a:lstStyle/>
+          <a:p>
+            <a:pPr algn="ctr"/>
+            <a:endParaRPr lang="en-GB"/>
+          </a:p>
+        </p:txBody>
+      </p:sp>
+      <p:sp>
+        <p:nvSpPr>
+          <p:cNvPr id="11" name="Freeform: Shape 10">
+            <a:extLst>
+              <a:ext uri="{FF2B5EF4-FFF2-40B4-BE49-F238E27FC236}">
+                <a16:creationId xmlns:a16="http://schemas.microsoft.com/office/drawing/2014/main" id="{E68A0FE6-D4F0-40A5-B74D-9452FBD37816}"/>
+              </a:ext>
+            </a:extLst>
+          </p:cNvPr>
+          <p:cNvSpPr/>
+          <p:nvPr/>
+        </p:nvSpPr>
+        <p:spPr>
+          <a:xfrm>
+            <a:off x="6635262" y="2758831"/>
+            <a:ext cx="3665415" cy="2758831"/>
+          </a:xfrm>
+          <a:custGeom>
+            <a:avLst/>
+            <a:gdLst>
+              <a:gd name="connsiteX0" fmla="*/ 328246 w 3665415"/>
+              <a:gd name="connsiteY0" fmla="*/ 0 h 2758831"/>
+              <a:gd name="connsiteX1" fmla="*/ 336061 w 3665415"/>
+              <a:gd name="connsiteY1" fmla="*/ 351692 h 2758831"/>
+              <a:gd name="connsiteX2" fmla="*/ 515815 w 3665415"/>
+              <a:gd name="connsiteY2" fmla="*/ 742461 h 2758831"/>
+              <a:gd name="connsiteX3" fmla="*/ 406400 w 3665415"/>
+              <a:gd name="connsiteY3" fmla="*/ 1180123 h 2758831"/>
+              <a:gd name="connsiteX4" fmla="*/ 117230 w 3665415"/>
+              <a:gd name="connsiteY4" fmla="*/ 1047261 h 2758831"/>
+              <a:gd name="connsiteX5" fmla="*/ 0 w 3665415"/>
+              <a:gd name="connsiteY5" fmla="*/ 1438031 h 2758831"/>
+              <a:gd name="connsiteX6" fmla="*/ 273538 w 3665415"/>
+              <a:gd name="connsiteY6" fmla="*/ 1617784 h 2758831"/>
+              <a:gd name="connsiteX7" fmla="*/ 164123 w 3665415"/>
+              <a:gd name="connsiteY7" fmla="*/ 2321169 h 2758831"/>
+              <a:gd name="connsiteX8" fmla="*/ 508000 w 3665415"/>
+              <a:gd name="connsiteY8" fmla="*/ 2641600 h 2758831"/>
+              <a:gd name="connsiteX9" fmla="*/ 1289538 w 3665415"/>
+              <a:gd name="connsiteY9" fmla="*/ 2758831 h 2758831"/>
+              <a:gd name="connsiteX10" fmla="*/ 1695938 w 3665415"/>
+              <a:gd name="connsiteY10" fmla="*/ 1508369 h 2758831"/>
+              <a:gd name="connsiteX11" fmla="*/ 3665415 w 3665415"/>
+              <a:gd name="connsiteY11" fmla="*/ 1492738 h 2758831"/>
+              <a:gd name="connsiteX12" fmla="*/ 3587261 w 3665415"/>
+              <a:gd name="connsiteY12" fmla="*/ 898769 h 2758831"/>
+              <a:gd name="connsiteX13" fmla="*/ 1625600 w 3665415"/>
+              <a:gd name="connsiteY13" fmla="*/ 922215 h 2758831"/>
+              <a:gd name="connsiteX14" fmla="*/ 1500553 w 3665415"/>
+              <a:gd name="connsiteY14" fmla="*/ 633046 h 2758831"/>
+              <a:gd name="connsiteX15" fmla="*/ 828430 w 3665415"/>
+              <a:gd name="connsiteY15" fmla="*/ 586154 h 2758831"/>
+              <a:gd name="connsiteX16" fmla="*/ 328246 w 3665415"/>
+              <a:gd name="connsiteY16" fmla="*/ 0 h 2758831"/>
+            </a:gdLst>
+            <a:ahLst/>
+            <a:cxnLst>
+              <a:cxn ang="0">
+                <a:pos x="connsiteX0" y="connsiteY0"/>
+              </a:cxn>
+              <a:cxn ang="0">
+                <a:pos x="connsiteX1" y="connsiteY1"/>
+              </a:cxn>
+              <a:cxn ang="0">
+                <a:pos x="connsiteX2" y="connsiteY2"/>
+              </a:cxn>
+              <a:cxn ang="0">
+                <a:pos x="connsiteX3" y="connsiteY3"/>
+              </a:cxn>
+              <a:cxn ang="0">
+                <a:pos x="connsiteX4" y="connsiteY4"/>
+              </a:cxn>
+              <a:cxn ang="0">
+                <a:pos x="connsiteX5" y="connsiteY5"/>
+              </a:cxn>
+              <a:cxn ang="0">
+                <a:pos x="connsiteX6" y="connsiteY6"/>
+              </a:cxn>
+              <a:cxn ang="0">
+                <a:pos x="connsiteX7" y="connsiteY7"/>
+              </a:cxn>
+              <a:cxn ang="0">
+                <a:pos x="connsiteX8" y="connsiteY8"/>
+              </a:cxn>
+              <a:cxn ang="0">
+                <a:pos x="connsiteX9" y="connsiteY9"/>
+              </a:cxn>
+              <a:cxn ang="0">
+                <a:pos x="connsiteX10" y="connsiteY10"/>
+              </a:cxn>
+              <a:cxn ang="0">
+                <a:pos x="connsiteX11" y="connsiteY11"/>
+              </a:cxn>
+              <a:cxn ang="0">
+                <a:pos x="connsiteX12" y="connsiteY12"/>
+              </a:cxn>
+              <a:cxn ang="0">
+                <a:pos x="connsiteX13" y="connsiteY13"/>
+              </a:cxn>
+              <a:cxn ang="0">
+                <a:pos x="connsiteX14" y="connsiteY14"/>
+              </a:cxn>
+              <a:cxn ang="0">
+                <a:pos x="connsiteX15" y="connsiteY15"/>
+              </a:cxn>
+              <a:cxn ang="0">
+                <a:pos x="connsiteX16" y="connsiteY16"/>
+              </a:cxn>
+            </a:cxnLst>
+            <a:rect l="l" t="t" r="r" b="b"/>
+            <a:pathLst>
+              <a:path w="3665415" h="2758831">
+                <a:moveTo>
+                  <a:pt x="328246" y="0"/>
+                </a:moveTo>
+                <a:lnTo>
+                  <a:pt x="336061" y="351692"/>
+                </a:lnTo>
+                <a:lnTo>
+                  <a:pt x="515815" y="742461"/>
+                </a:lnTo>
+                <a:lnTo>
+                  <a:pt x="406400" y="1180123"/>
+                </a:lnTo>
+                <a:lnTo>
+                  <a:pt x="117230" y="1047261"/>
+                </a:lnTo>
+                <a:lnTo>
+                  <a:pt x="0" y="1438031"/>
+                </a:lnTo>
+                <a:lnTo>
+                  <a:pt x="273538" y="1617784"/>
+                </a:lnTo>
+                <a:lnTo>
+                  <a:pt x="164123" y="2321169"/>
+                </a:lnTo>
+                <a:lnTo>
+                  <a:pt x="508000" y="2641600"/>
+                </a:lnTo>
+                <a:lnTo>
+                  <a:pt x="1289538" y="2758831"/>
+                </a:lnTo>
+                <a:lnTo>
+                  <a:pt x="1695938" y="1508369"/>
+                </a:lnTo>
+                <a:lnTo>
+                  <a:pt x="3665415" y="1492738"/>
+                </a:lnTo>
+                <a:lnTo>
+                  <a:pt x="3587261" y="898769"/>
+                </a:lnTo>
+                <a:lnTo>
+                  <a:pt x="1625600" y="922215"/>
+                </a:lnTo>
+                <a:lnTo>
+                  <a:pt x="1500553" y="633046"/>
+                </a:lnTo>
+                <a:lnTo>
+                  <a:pt x="828430" y="586154"/>
+                </a:lnTo>
+                <a:lnTo>
+                  <a:pt x="328246" y="0"/>
+                </a:lnTo>
+                <a:close/>
+              </a:path>
+            </a:pathLst>
+          </a:custGeom>
+          <a:solidFill>
+            <a:srgbClr val="1EBCC8">
+              <a:alpha val="27843"/>
+            </a:srgbClr>
+          </a:solidFill>
+        </p:spPr>
+        <p:style>
+          <a:lnRef idx="2">
+            <a:schemeClr val="accent1">
+              <a:shade val="50000"/>
+            </a:schemeClr>
+          </a:lnRef>
+          <a:fillRef idx="1">
+            <a:schemeClr val="accent1"/>
+          </a:fillRef>
+          <a:effectRef idx="0">
+            <a:schemeClr val="accent1"/>
+          </a:effectRef>
+          <a:fontRef idx="minor">
+            <a:schemeClr val="lt1"/>
+          </a:fontRef>
+        </p:style>
+        <p:txBody>
+          <a:bodyPr rtlCol="0" anchor="ctr"/>
+          <a:lstStyle/>
+          <a:p>
+            <a:pPr algn="ctr"/>
+            <a:endParaRPr lang="en-GB"/>
+          </a:p>
+        </p:txBody>
+      </p:sp>
+      <p:sp>
+        <p:nvSpPr>
+          <p:cNvPr id="12" name="TextBox 11">
+            <a:extLst>
+              <a:ext uri="{FF2B5EF4-FFF2-40B4-BE49-F238E27FC236}">
+                <a16:creationId xmlns:a16="http://schemas.microsoft.com/office/drawing/2014/main" id="{6E6FDBA9-7268-4B37-BB46-D55DB9155B21}"/>
+              </a:ext>
+            </a:extLst>
+          </p:cNvPr>
+          <p:cNvSpPr txBox="1"/>
+          <p:nvPr/>
+        </p:nvSpPr>
+        <p:spPr>
+          <a:xfrm>
+            <a:off x="1600689" y="1567933"/>
+            <a:ext cx="1080476" cy="369332"/>
+          </a:xfrm>
+          <a:prstGeom prst="rect">
+            <a:avLst/>
+          </a:prstGeom>
+          <a:noFill/>
+        </p:spPr>
+        <p:txBody>
+          <a:bodyPr wrap="square" rtlCol="0">
+            <a:spAutoFit/>
+          </a:bodyPr>
+          <a:lstStyle/>
+          <a:p>
+            <a:r>
+              <a:rPr lang="en-GB" b="1" dirty="0">
+                <a:solidFill>
+                  <a:schemeClr val="accent1"/>
+                </a:solidFill>
+              </a:rPr>
+              <a:t>GitHub</a:t>
+            </a:r>
+          </a:p>
+        </p:txBody>
+      </p:sp>
+      <p:sp>
+        <p:nvSpPr>
+          <p:cNvPr id="13" name="TextBox 12">
+            <a:extLst>
+              <a:ext uri="{FF2B5EF4-FFF2-40B4-BE49-F238E27FC236}">
+                <a16:creationId xmlns:a16="http://schemas.microsoft.com/office/drawing/2014/main" id="{BA303487-0D67-4B0A-B93C-856C84220F34}"/>
+              </a:ext>
+            </a:extLst>
+          </p:cNvPr>
+          <p:cNvSpPr txBox="1"/>
+          <p:nvPr/>
+        </p:nvSpPr>
+        <p:spPr>
+          <a:xfrm>
+            <a:off x="8592038" y="3291761"/>
+            <a:ext cx="1080476" cy="369332"/>
+          </a:xfrm>
+          <a:prstGeom prst="rect">
+            <a:avLst/>
+          </a:prstGeom>
+          <a:noFill/>
+        </p:spPr>
+        <p:txBody>
+          <a:bodyPr wrap="square" rtlCol="0">
+            <a:spAutoFit/>
+          </a:bodyPr>
+          <a:lstStyle/>
+          <a:p>
+            <a:r>
+              <a:rPr lang="en-GB" b="1" dirty="0">
+                <a:solidFill>
+                  <a:schemeClr val="accent1"/>
+                </a:solidFill>
+              </a:rPr>
+              <a:t>GitHub</a:t>
+            </a:r>
+          </a:p>
+        </p:txBody>
+      </p:sp>
+      <p:sp>
+        <p:nvSpPr>
+          <p:cNvPr id="14" name="TextBox 13">
+            <a:extLst>
+              <a:ext uri="{FF2B5EF4-FFF2-40B4-BE49-F238E27FC236}">
+                <a16:creationId xmlns:a16="http://schemas.microsoft.com/office/drawing/2014/main" id="{1BAA50D2-B3B2-4675-AFD5-10A97154258B}"/>
+              </a:ext>
+            </a:extLst>
+          </p:cNvPr>
+          <p:cNvSpPr txBox="1"/>
+          <p:nvPr/>
+        </p:nvSpPr>
+        <p:spPr>
+          <a:xfrm>
+            <a:off x="2988898" y="1912400"/>
+            <a:ext cx="2033209" cy="369332"/>
+          </a:xfrm>
+          <a:prstGeom prst="rect">
+            <a:avLst/>
+          </a:prstGeom>
+          <a:noFill/>
+        </p:spPr>
+        <p:txBody>
+          <a:bodyPr wrap="square" rtlCol="0">
+            <a:spAutoFit/>
+          </a:bodyPr>
+          <a:lstStyle/>
+          <a:p>
+            <a:r>
+              <a:rPr lang="en-GB" b="1" dirty="0">
+                <a:solidFill>
+                  <a:schemeClr val="accent3"/>
+                </a:solidFill>
+              </a:rPr>
+              <a:t>Your Computer</a:t>
+            </a:r>
+          </a:p>
+        </p:txBody>
+      </p:sp>
+      <p:sp>
+        <p:nvSpPr>
+          <p:cNvPr id="15" name="Speech Bubble: Rectangle 14">
+            <a:extLst>
+              <a:ext uri="{FF2B5EF4-FFF2-40B4-BE49-F238E27FC236}">
+                <a16:creationId xmlns:a16="http://schemas.microsoft.com/office/drawing/2014/main" id="{6DDD4B0B-0C57-47EC-8715-C307EA071DDC}"/>
+              </a:ext>
+            </a:extLst>
+          </p:cNvPr>
+          <p:cNvSpPr/>
+          <p:nvPr/>
+        </p:nvSpPr>
+        <p:spPr>
+          <a:xfrm>
+            <a:off x="300647" y="4258971"/>
+            <a:ext cx="1524002" cy="1798295"/>
+          </a:xfrm>
+          <a:prstGeom prst="wedgeRectCallout">
+            <a:avLst>
+              <a:gd name="adj1" fmla="val 67884"/>
+              <a:gd name="adj2" fmla="val -89822"/>
+            </a:avLst>
+          </a:prstGeom>
+        </p:spPr>
+        <p:style>
+          <a:lnRef idx="2">
+            <a:schemeClr val="accent5">
+              <a:shade val="50000"/>
+            </a:schemeClr>
+          </a:lnRef>
+          <a:fillRef idx="1">
+            <a:schemeClr val="accent5"/>
+          </a:fillRef>
+          <a:effectRef idx="0">
+            <a:schemeClr val="accent5"/>
+          </a:effectRef>
+          <a:fontRef idx="minor">
+            <a:schemeClr val="lt1"/>
+          </a:fontRef>
+        </p:style>
+        <p:txBody>
+          <a:bodyPr rtlCol="0" anchor="ctr"/>
+          <a:lstStyle/>
+          <a:p>
+            <a:pPr algn="ctr"/>
+            <a:r>
+              <a:rPr lang="en-GB" dirty="0"/>
+              <a:t>git clone</a:t>
+            </a:r>
+          </a:p>
+          <a:p>
+            <a:pPr algn="ctr"/>
+            <a:endParaRPr lang="en-GB" dirty="0"/>
+          </a:p>
+          <a:p>
+            <a:pPr algn="ctr"/>
+            <a:r>
+              <a:rPr lang="en-GB" dirty="0"/>
+              <a:t>or</a:t>
+            </a:r>
+          </a:p>
+          <a:p>
+            <a:pPr algn="ctr"/>
+            <a:endParaRPr lang="en-GB" dirty="0"/>
+          </a:p>
+          <a:p>
+            <a:pPr algn="ctr"/>
+            <a:r>
+              <a:rPr lang="en-GB" dirty="0"/>
+              <a:t>git pull</a:t>
+            </a:r>
+          </a:p>
+        </p:txBody>
+      </p:sp>
+      <p:sp>
+        <p:nvSpPr>
+          <p:cNvPr id="16" name="Speech Bubble: Rectangle 15">
+            <a:extLst>
+              <a:ext uri="{FF2B5EF4-FFF2-40B4-BE49-F238E27FC236}">
+                <a16:creationId xmlns:a16="http://schemas.microsoft.com/office/drawing/2014/main" id="{400FA216-39A4-40B7-9083-C49520A69DB3}"/>
+              </a:ext>
+            </a:extLst>
+          </p:cNvPr>
+          <p:cNvSpPr/>
+          <p:nvPr/>
+        </p:nvSpPr>
+        <p:spPr>
+          <a:xfrm>
+            <a:off x="6557104" y="1106948"/>
+            <a:ext cx="2575172" cy="1174784"/>
+          </a:xfrm>
+          <a:prstGeom prst="wedgeRectCallout">
+            <a:avLst>
+              <a:gd name="adj1" fmla="val -36243"/>
+              <a:gd name="adj2" fmla="val 115489"/>
+            </a:avLst>
+          </a:prstGeom>
+        </p:spPr>
+        <p:style>
+          <a:lnRef idx="2">
+            <a:schemeClr val="accent5">
+              <a:shade val="50000"/>
+            </a:schemeClr>
+          </a:lnRef>
+          <a:fillRef idx="1">
+            <a:schemeClr val="accent5"/>
+          </a:fillRef>
+          <a:effectRef idx="0">
+            <a:schemeClr val="accent5"/>
+          </a:effectRef>
+          <a:fontRef idx="minor">
+            <a:schemeClr val="lt1"/>
+          </a:fontRef>
+        </p:style>
+        <p:txBody>
+          <a:bodyPr rtlCol="0" anchor="ctr"/>
+          <a:lstStyle/>
+          <a:p>
+            <a:pPr algn="ctr"/>
+            <a:r>
+              <a:rPr lang="en-GB" dirty="0"/>
+              <a:t>git push</a:t>
+            </a:r>
+          </a:p>
+        </p:txBody>
+      </p:sp>
+      <p:sp>
+        <p:nvSpPr>
+          <p:cNvPr id="17" name="Speech Bubble: Rectangle 16">
+            <a:extLst>
+              <a:ext uri="{FF2B5EF4-FFF2-40B4-BE49-F238E27FC236}">
+                <a16:creationId xmlns:a16="http://schemas.microsoft.com/office/drawing/2014/main" id="{D0FEF4E4-A693-46A7-A6C6-90574514E738}"/>
+              </a:ext>
+            </a:extLst>
+          </p:cNvPr>
+          <p:cNvSpPr/>
+          <p:nvPr/>
+        </p:nvSpPr>
+        <p:spPr>
+          <a:xfrm>
+            <a:off x="7915516" y="1882042"/>
+            <a:ext cx="2575172" cy="1252669"/>
+          </a:xfrm>
+          <a:prstGeom prst="wedgeRectCallout">
+            <a:avLst>
+              <a:gd name="adj1" fmla="val -75393"/>
+              <a:gd name="adj2" fmla="val 72276"/>
+            </a:avLst>
+          </a:prstGeom>
+        </p:spPr>
+        <p:style>
+          <a:lnRef idx="2">
+            <a:schemeClr val="accent5">
+              <a:shade val="50000"/>
+            </a:schemeClr>
+          </a:lnRef>
+          <a:fillRef idx="1">
+            <a:schemeClr val="accent5"/>
+          </a:fillRef>
+          <a:effectRef idx="0">
+            <a:schemeClr val="accent5"/>
+          </a:effectRef>
+          <a:fontRef idx="minor">
+            <a:schemeClr val="lt1"/>
+          </a:fontRef>
+        </p:style>
+        <p:txBody>
+          <a:bodyPr rtlCol="0" anchor="ctr"/>
+          <a:lstStyle/>
+          <a:p>
+            <a:pPr algn="ctr"/>
+            <a:r>
+              <a:rPr lang="en-GB" dirty="0"/>
+              <a:t>Merge (using button in GitHub)</a:t>
+            </a:r>
+          </a:p>
+        </p:txBody>
+      </p:sp>
+      <p:sp>
+        <p:nvSpPr>
+          <p:cNvPr id="9" name="Freeform: Shape 8">
+            <a:extLst>
+              <a:ext uri="{FF2B5EF4-FFF2-40B4-BE49-F238E27FC236}">
+                <a16:creationId xmlns:a16="http://schemas.microsoft.com/office/drawing/2014/main" id="{039566A6-7045-4537-9487-F72835785DB4}"/>
+              </a:ext>
+            </a:extLst>
+          </p:cNvPr>
+          <p:cNvSpPr/>
+          <p:nvPr/>
+        </p:nvSpPr>
+        <p:spPr>
+          <a:xfrm>
+            <a:off x="3071446" y="4259385"/>
+            <a:ext cx="4915877" cy="2258646"/>
+          </a:xfrm>
+          <a:custGeom>
+            <a:avLst/>
+            <a:gdLst>
+              <a:gd name="connsiteX0" fmla="*/ 195385 w 4915877"/>
+              <a:gd name="connsiteY0" fmla="*/ 937846 h 2258646"/>
+              <a:gd name="connsiteX1" fmla="*/ 609600 w 4915877"/>
+              <a:gd name="connsiteY1" fmla="*/ 664307 h 2258646"/>
+              <a:gd name="connsiteX2" fmla="*/ 1383323 w 4915877"/>
+              <a:gd name="connsiteY2" fmla="*/ 0 h 2258646"/>
+              <a:gd name="connsiteX3" fmla="*/ 3602892 w 4915877"/>
+              <a:gd name="connsiteY3" fmla="*/ 140677 h 2258646"/>
+              <a:gd name="connsiteX4" fmla="*/ 3673231 w 4915877"/>
+              <a:gd name="connsiteY4" fmla="*/ 828430 h 2258646"/>
+              <a:gd name="connsiteX5" fmla="*/ 4142154 w 4915877"/>
+              <a:gd name="connsiteY5" fmla="*/ 1445846 h 2258646"/>
+              <a:gd name="connsiteX6" fmla="*/ 4915877 w 4915877"/>
+              <a:gd name="connsiteY6" fmla="*/ 1774092 h 2258646"/>
+              <a:gd name="connsiteX7" fmla="*/ 4829908 w 4915877"/>
+              <a:gd name="connsiteY7" fmla="*/ 2258646 h 2258646"/>
+              <a:gd name="connsiteX8" fmla="*/ 78154 w 4915877"/>
+              <a:gd name="connsiteY8" fmla="*/ 2117969 h 2258646"/>
+              <a:gd name="connsiteX9" fmla="*/ 0 w 4915877"/>
+              <a:gd name="connsiteY9" fmla="*/ 1141046 h 2258646"/>
+              <a:gd name="connsiteX10" fmla="*/ 195385 w 4915877"/>
+              <a:gd name="connsiteY10" fmla="*/ 937846 h 2258646"/>
+            </a:gdLst>
+            <a:ahLst/>
+            <a:cxnLst>
+              <a:cxn ang="0">
+                <a:pos x="connsiteX0" y="connsiteY0"/>
+              </a:cxn>
+              <a:cxn ang="0">
+                <a:pos x="connsiteX1" y="connsiteY1"/>
+              </a:cxn>
+              <a:cxn ang="0">
+                <a:pos x="connsiteX2" y="connsiteY2"/>
+              </a:cxn>
+              <a:cxn ang="0">
+                <a:pos x="connsiteX3" y="connsiteY3"/>
+              </a:cxn>
+              <a:cxn ang="0">
+                <a:pos x="connsiteX4" y="connsiteY4"/>
+              </a:cxn>
+              <a:cxn ang="0">
+                <a:pos x="connsiteX5" y="connsiteY5"/>
+              </a:cxn>
+              <a:cxn ang="0">
+                <a:pos x="connsiteX6" y="connsiteY6"/>
+              </a:cxn>
+              <a:cxn ang="0">
+                <a:pos x="connsiteX7" y="connsiteY7"/>
+              </a:cxn>
+              <a:cxn ang="0">
+                <a:pos x="connsiteX8" y="connsiteY8"/>
+              </a:cxn>
+              <a:cxn ang="0">
+                <a:pos x="connsiteX9" y="connsiteY9"/>
+              </a:cxn>
+              <a:cxn ang="0">
+                <a:pos x="connsiteX10" y="connsiteY10"/>
+              </a:cxn>
+            </a:cxnLst>
+            <a:rect l="l" t="t" r="r" b="b"/>
+            <a:pathLst>
+              <a:path w="4915877" h="2258646">
+                <a:moveTo>
+                  <a:pt x="195385" y="937846"/>
+                </a:moveTo>
+                <a:lnTo>
+                  <a:pt x="609600" y="664307"/>
+                </a:lnTo>
+                <a:lnTo>
+                  <a:pt x="1383323" y="0"/>
+                </a:lnTo>
+                <a:lnTo>
+                  <a:pt x="3602892" y="140677"/>
+                </a:lnTo>
+                <a:lnTo>
+                  <a:pt x="3673231" y="828430"/>
+                </a:lnTo>
+                <a:lnTo>
+                  <a:pt x="4142154" y="1445846"/>
+                </a:lnTo>
+                <a:lnTo>
+                  <a:pt x="4915877" y="1774092"/>
+                </a:lnTo>
+                <a:lnTo>
+                  <a:pt x="4829908" y="2258646"/>
+                </a:lnTo>
+                <a:lnTo>
+                  <a:pt x="78154" y="2117969"/>
+                </a:lnTo>
+                <a:lnTo>
+                  <a:pt x="0" y="1141046"/>
+                </a:lnTo>
+                <a:lnTo>
+                  <a:pt x="195385" y="937846"/>
+                </a:lnTo>
+                <a:close/>
+              </a:path>
+            </a:pathLst>
+          </a:custGeom>
+          <a:solidFill>
+            <a:schemeClr val="bg2"/>
+          </a:solidFill>
+          <a:ln>
+            <a:solidFill>
+              <a:schemeClr val="bg2"/>
+            </a:solidFill>
+          </a:ln>
+        </p:spPr>
+        <p:style>
+          <a:lnRef idx="2">
+            <a:schemeClr val="accent1">
+              <a:shade val="50000"/>
+            </a:schemeClr>
+          </a:lnRef>
+          <a:fillRef idx="1">
+            <a:schemeClr val="accent1"/>
+          </a:fillRef>
+          <a:effectRef idx="0">
+            <a:schemeClr val="accent1"/>
+          </a:effectRef>
+          <a:fontRef idx="minor">
+            <a:schemeClr val="lt1"/>
+          </a:fontRef>
+        </p:style>
+        <p:txBody>
+          <a:bodyPr rtlCol="0" anchor="ctr"/>
+          <a:lstStyle/>
+          <a:p>
+            <a:pPr algn="ctr"/>
+            <a:endParaRPr lang="en-GB"/>
+          </a:p>
+        </p:txBody>
+      </p:sp>
+    </p:spTree>
+    <p:extLst>
+      <p:ext uri="{BB962C8B-B14F-4D97-AF65-F5344CB8AC3E}">
+        <p14:creationId xmlns:p14="http://schemas.microsoft.com/office/powerpoint/2010/main" val="1715505140"/>
+      </p:ext>
+    </p:extLst>
+  </p:cSld>
+  <p:clrMapOvr>
+    <a:masterClrMapping/>
+  </p:clrMapOvr>
+  <mc:AlternateContent xmlns:mc="http://schemas.openxmlformats.org/markup-compatibility/2006" xmlns:p14="http://schemas.microsoft.com/office/powerpoint/2010/main">
+    <mc:Choice Requires="p14">
+      <p:transition p14:dur="0"/>
+    </mc:Choice>
+    <mc:Fallback xmlns="">
+      <p:transition/>
+    </mc:Fallback>
+  </mc:AlternateContent>
+</p:sld>
+</file>
+
+<file path=ppt/slides/slide14.xml><?xml version="1.0" encoding="utf-8"?>
+<p:sld xmlns:a="http://schemas.openxmlformats.org/drawingml/2006/main" xmlns:r="http://schemas.openxmlformats.org/officeDocument/2006/relationships" xmlns:p="http://schemas.openxmlformats.org/presentationml/2006/main">
+  <p:cSld>
+    <p:spTree>
+      <p:nvGrpSpPr>
+        <p:cNvPr id="1" name=""/>
+        <p:cNvGrpSpPr/>
+        <p:nvPr/>
+      </p:nvGrpSpPr>
+      <p:grpSpPr>
+        <a:xfrm>
+          <a:off x="0" y="0"/>
+          <a:ext cx="0" cy="0"/>
+          <a:chOff x="0" y="0"/>
+          <a:chExt cx="0" cy="0"/>
+        </a:xfrm>
+      </p:grpSpPr>
       <p:pic>
         <p:nvPicPr>
           <p:cNvPr id="3" name="Picture 2" descr="A picture containing colorful&#10;&#10;Description automatically generated">
@@ -14576,7 +15971,7 @@
 </p:sld>
 </file>
 
-<file path=ppt/slides/slide14.xml><?xml version="1.0" encoding="utf-8"?>
+<file path=ppt/slides/slide15.xml><?xml version="1.0" encoding="utf-8"?>
 <p:sld xmlns:a="http://schemas.openxmlformats.org/drawingml/2006/main" xmlns:r="http://schemas.openxmlformats.org/officeDocument/2006/relationships" xmlns:p="http://schemas.openxmlformats.org/presentationml/2006/main">
   <p:cSld>
     <p:spTree>
@@ -14638,7 +16033,12 @@
             <p:ph idx="1"/>
           </p:nvPr>
         </p:nvSpPr>
-        <p:spPr/>
+        <p:spPr>
+          <a:xfrm>
+            <a:off x="457199" y="1933893"/>
+            <a:ext cx="7884367" cy="4343082"/>
+          </a:xfrm>
+        </p:spPr>
         <p:txBody>
           <a:bodyPr vert="horz" lIns="0" tIns="0" rIns="0" bIns="0" rtlCol="0" anchor="t">
             <a:normAutofit fontScale="70000" lnSpcReduction="20000"/>
@@ -14797,12 +16197,42 @@
           <a:p>
             <a:fld id="{BC3375C0-E832-4564-9B1D-553F653E3826}" type="slidenum">
               <a:rPr lang="en-GB" smtClean="0"/>
-              <a:t>14</a:t>
+              <a:t>15</a:t>
             </a:fld>
             <a:endParaRPr lang="en-GB"/>
           </a:p>
         </p:txBody>
       </p:sp>
+      <p:pic>
+        <p:nvPicPr>
+          <p:cNvPr id="7" name="Picture 6">
+            <a:extLst>
+              <a:ext uri="{FF2B5EF4-FFF2-40B4-BE49-F238E27FC236}">
+                <a16:creationId xmlns:a16="http://schemas.microsoft.com/office/drawing/2014/main" id="{DCE698E7-8A78-4630-A220-D1CD7379BCAD}"/>
+              </a:ext>
+            </a:extLst>
+          </p:cNvPr>
+          <p:cNvPicPr>
+            <a:picLocks noChangeAspect="1"/>
+          </p:cNvPicPr>
+          <p:nvPr/>
+        </p:nvPicPr>
+        <p:blipFill>
+          <a:blip r:embed="rId3"/>
+          <a:stretch>
+            <a:fillRect/>
+          </a:stretch>
+        </p:blipFill>
+        <p:spPr>
+          <a:xfrm>
+            <a:off x="8481532" y="1650466"/>
+            <a:ext cx="3037786" cy="4969093"/>
+          </a:xfrm>
+          <a:prstGeom prst="rect">
+            <a:avLst/>
+          </a:prstGeom>
+        </p:spPr>
+      </p:pic>
     </p:spTree>
     <p:extLst>
       <p:ext uri="{BB962C8B-B14F-4D97-AF65-F5344CB8AC3E}">
@@ -14824,7 +16254,7 @@
 </p:sld>
 </file>
 
-<file path=ppt/slides/slide15.xml><?xml version="1.0" encoding="utf-8"?>
+<file path=ppt/slides/slide16.xml><?xml version="1.0" encoding="utf-8"?>
 <p:sld xmlns:a="http://schemas.openxmlformats.org/drawingml/2006/main" xmlns:r="http://schemas.openxmlformats.org/officeDocument/2006/relationships" xmlns:p="http://schemas.openxmlformats.org/presentationml/2006/main">
   <p:cSld>
     <p:spTree>

--- a/presentations/vcs-git-and-github.pptx
+++ b/presentations/vcs-git-and-github.pptx
@@ -232,7 +232,7 @@
           <a:p>
             <a:fld id="{78B2772D-67CF-446E-AB14-873D70346968}" type="datetimeFigureOut">
               <a:rPr lang="en-GB" smtClean="0"/>
-              <a:t>10/02/2022</a:t>
+              <a:t>14/02/2022</a:t>
             </a:fld>
             <a:endParaRPr lang="en-GB"/>
           </a:p>
@@ -1071,7 +1071,7 @@
           <a:p>
             <a:fld id="{6C25FA03-981D-3F4F-ABFD-F2CAE44CF4DF}" type="datetime1">
               <a:rPr lang="en-GB" smtClean="0"/>
-              <a:t>10/02/2022</a:t>
+              <a:t>14/02/2022</a:t>
             </a:fld>
             <a:endParaRPr lang="en-GB"/>
           </a:p>
@@ -1391,7 +1391,7 @@
           <a:p>
             <a:fld id="{AD447513-F0D7-9140-9852-9A843D8B81D3}" type="datetime1">
               <a:rPr lang="en-GB" smtClean="0"/>
-              <a:t>10/02/2022</a:t>
+              <a:t>14/02/2022</a:t>
             </a:fld>
             <a:endParaRPr lang="en-GB"/>
           </a:p>
@@ -1804,7 +1804,7 @@
           <a:p>
             <a:fld id="{4FC983D9-AEB3-884A-8B61-40B359253CCD}" type="datetime1">
               <a:rPr lang="en-GB" smtClean="0"/>
-              <a:t>10/02/2022</a:t>
+              <a:t>14/02/2022</a:t>
             </a:fld>
             <a:endParaRPr lang="en-GB"/>
           </a:p>
@@ -2839,7 +2839,7 @@
           <a:p>
             <a:fld id="{862EF5BF-54FA-BF48-B61D-2432192EF666}" type="datetime1">
               <a:rPr lang="en-GB" smtClean="0"/>
-              <a:t>10/02/2022</a:t>
+              <a:t>14/02/2022</a:t>
             </a:fld>
             <a:endParaRPr lang="en-GB"/>
           </a:p>
@@ -5958,7 +5958,7 @@
           <a:p>
             <a:fld id="{08B972FC-9C63-1B41-803B-B958A5F6CE25}" type="datetime1">
               <a:rPr lang="en-GB" smtClean="0"/>
-              <a:t>10/02/2022</a:t>
+              <a:t>14/02/2022</a:t>
             </a:fld>
             <a:endParaRPr lang="en-GB"/>
           </a:p>
@@ -6086,7 +6086,7 @@
           <a:p>
             <a:fld id="{05210873-7FD8-1244-ABA1-499AC4AF712B}" type="datetime1">
               <a:rPr lang="en-GB" smtClean="0"/>
-              <a:t>10/02/2022</a:t>
+              <a:t>14/02/2022</a:t>
             </a:fld>
             <a:endParaRPr lang="en-GB"/>
           </a:p>
@@ -6316,7 +6316,7 @@
           <a:p>
             <a:fld id="{5075CE0D-163E-D54F-96AD-C92D6F353048}" type="datetime1">
               <a:rPr lang="en-GB" smtClean="0"/>
-              <a:t>10/02/2022</a:t>
+              <a:t>14/02/2022</a:t>
             </a:fld>
             <a:endParaRPr lang="en-GB"/>
           </a:p>
@@ -7535,7 +7535,7 @@
           </a:ln>
           <a:extLst>
             <a:ext uri="{C572A759-6A51-4108-AA02-DFA0A04FC94B}">
-              <ma14:wrappingTextBoxFlag xmlns="" xmlns:ma14="http://schemas.microsoft.com/office/mac/drawingml/2011/main" val="1"/>
+              <ma14:wrappingTextBoxFlag xmlns:ma14="http://schemas.microsoft.com/office/mac/drawingml/2011/main" xmlns="" val="1"/>
             </a:ext>
           </a:extLst>
         </p:spPr>
@@ -7732,7 +7732,7 @@
           </a:ln>
           <a:extLst>
             <a:ext uri="{C572A759-6A51-4108-AA02-DFA0A04FC94B}">
-              <ma14:wrappingTextBoxFlag xmlns="" xmlns:ma14="http://schemas.microsoft.com/office/mac/drawingml/2011/main" val="1"/>
+              <ma14:wrappingTextBoxFlag xmlns:ma14="http://schemas.microsoft.com/office/mac/drawingml/2011/main" xmlns="" val="1"/>
             </a:ext>
           </a:extLst>
         </p:spPr>
@@ -7995,7 +7995,7 @@
           </a:ln>
           <a:extLst>
             <a:ext uri="{C572A759-6A51-4108-AA02-DFA0A04FC94B}">
-              <ma14:wrappingTextBoxFlag xmlns="" xmlns:ma14="http://schemas.microsoft.com/office/mac/drawingml/2011/main" val="1"/>
+              <ma14:wrappingTextBoxFlag xmlns:ma14="http://schemas.microsoft.com/office/mac/drawingml/2011/main" xmlns="" val="1"/>
             </a:ext>
           </a:extLst>
         </p:spPr>
@@ -9016,7 +9016,7 @@
           <a:p>
             <a:fld id="{330677AC-4808-7844-8878-C4DC36017FAF}" type="datetime1">
               <a:rPr lang="en-GB" smtClean="0"/>
-              <a:t>10/02/2022</a:t>
+              <a:t>14/02/2022</a:t>
             </a:fld>
             <a:endParaRPr lang="en-GB"/>
           </a:p>
@@ -9543,7 +9543,7 @@
           <a:p>
             <a:fld id="{05A8478A-EDB8-3145-A182-C5ED532937CD}" type="datetime1">
               <a:rPr lang="en-GB" smtClean="0"/>
-              <a:t>10/02/2022</a:t>
+              <a:t>14/02/2022</a:t>
             </a:fld>
             <a:endParaRPr lang="en-GB"/>
           </a:p>
@@ -9921,7 +9921,7 @@
           <a:p>
             <a:fld id="{3A861D55-4B75-6148-B497-8307DFA79D9F}" type="datetime1">
               <a:rPr lang="en-GB" smtClean="0"/>
-              <a:t>10/02/2022</a:t>
+              <a:t>14/02/2022</a:t>
             </a:fld>
             <a:endParaRPr lang="en-GB"/>
           </a:p>
@@ -10239,7 +10239,7 @@
           <a:p>
             <a:fld id="{23E27BC6-0B0F-3C48-A90A-106E7F9DC3AC}" type="datetime1">
               <a:rPr lang="en-GB" smtClean="0"/>
-              <a:t>10/02/2022</a:t>
+              <a:t>14/02/2022</a:t>
             </a:fld>
             <a:endParaRPr lang="en-GB"/>
           </a:p>
@@ -10621,7 +10621,7 @@
           <a:p>
             <a:fld id="{52156CEE-F6CC-7B46-8301-E62F55883839}" type="datetime1">
               <a:rPr lang="en-GB" smtClean="0"/>
-              <a:t>10/02/2022</a:t>
+              <a:t>14/02/2022</a:t>
             </a:fld>
             <a:endParaRPr lang="en-GB"/>
           </a:p>
@@ -11003,7 +11003,7 @@
           <a:p>
             <a:fld id="{F44621EF-E3B6-AC44-B311-3F80F8F520D1}" type="datetime1">
               <a:rPr lang="en-GB" smtClean="0"/>
-              <a:t>10/02/2022</a:t>
+              <a:t>14/02/2022</a:t>
             </a:fld>
             <a:endParaRPr lang="en-GB"/>
           </a:p>
@@ -11385,7 +11385,7 @@
           <a:p>
             <a:fld id="{D97C8151-BC5D-0342-B9A9-219468AF0BB5}" type="datetime1">
               <a:rPr lang="en-GB" smtClean="0"/>
-              <a:t>10/02/2022</a:t>
+              <a:t>14/02/2022</a:t>
             </a:fld>
             <a:endParaRPr lang="en-GB"/>
           </a:p>
@@ -11718,7 +11718,7 @@
           <a:p>
             <a:fld id="{31D05CA0-F179-1E48-8911-D48A170F3146}" type="datetime1">
               <a:rPr lang="en-GB" smtClean="0"/>
-              <a:t>10/02/2022</a:t>
+              <a:t>14/02/2022</a:t>
             </a:fld>
             <a:endParaRPr lang="en-GB"/>
           </a:p>
@@ -20636,21 +20636,6 @@
 </file>
 
 <file path=customXml/item1.xml><?xml version="1.0" encoding="utf-8"?>
-<?mso-contentType ?>
-<FormTemplates xmlns="http://schemas.microsoft.com/sharepoint/v3/contenttype/forms">
-  <Display>DocumentLibraryForm</Display>
-  <Edit>DocumentLibraryForm</Edit>
-  <New>DocumentLibraryForm</New>
-</FormTemplates>
-</file>
-
-<file path=customXml/item2.xml><?xml version="1.0" encoding="utf-8"?>
-<p:properties xmlns:p="http://schemas.microsoft.com/office/2006/metadata/properties" xmlns:xsi="http://www.w3.org/2001/XMLSchema-instance" xmlns:pc="http://schemas.microsoft.com/office/infopath/2007/PartnerControls">
-  <documentManagement/>
-</p:properties>
-</file>
-
-<file path=customXml/item3.xml><?xml version="1.0" encoding="utf-8"?>
 <ct:contentTypeSchema xmlns:ct="http://schemas.microsoft.com/office/2006/metadata/contentType" xmlns:ma="http://schemas.microsoft.com/office/2006/metadata/properties/metaAttributes" ct:_="" ma:_="" ma:contentTypeName="Document" ma:contentTypeID="0x010100C41CF2333F1C904B80A4811D68B50097" ma:contentTypeVersion="12" ma:contentTypeDescription="Create a new document." ma:contentTypeScope="" ma:versionID="ed495581af461ca466c171f5b872cd83">
   <xsd:schema xmlns:xsd="http://www.w3.org/2001/XMLSchema" xmlns:xs="http://www.w3.org/2001/XMLSchema" xmlns:p="http://schemas.microsoft.com/office/2006/metadata/properties" xmlns:ns2="b3e7612e-fdb2-4974-b106-74dc7088542d" xmlns:ns3="16822fe8-4949-411e-b509-0583e0da6ec6" targetNamespace="http://schemas.microsoft.com/office/2006/metadata/properties" ma:root="true" ma:fieldsID="b031bb905399b1b75517dac07ffd7c20" ns2:_="" ns3:_="">
     <xsd:import namespace="b3e7612e-fdb2-4974-b106-74dc7088542d"/>
@@ -20867,10 +20852,36 @@
 </ct:contentTypeSchema>
 </file>
 
+<file path=customXml/item2.xml><?xml version="1.0" encoding="utf-8"?>
+<p:properties xmlns:p="http://schemas.microsoft.com/office/2006/metadata/properties" xmlns:xsi="http://www.w3.org/2001/XMLSchema-instance" xmlns:pc="http://schemas.microsoft.com/office/infopath/2007/PartnerControls">
+  <documentManagement/>
+</p:properties>
+</file>
+
+<file path=customXml/item3.xml><?xml version="1.0" encoding="utf-8"?>
+<?mso-contentType ?>
+<FormTemplates xmlns="http://schemas.microsoft.com/sharepoint/v3/contenttype/forms">
+  <Display>DocumentLibraryForm</Display>
+  <Edit>DocumentLibraryForm</Edit>
+  <New>DocumentLibraryForm</New>
+</FormTemplates>
+</file>
+
 <file path=customXml/itemProps1.xml><?xml version="1.0" encoding="utf-8"?>
-<ds:datastoreItem xmlns:ds="http://schemas.openxmlformats.org/officeDocument/2006/customXml" ds:itemID="{CE1CAEE4-FACD-4E29-9FA2-1415ACCF9B2B}">
+<ds:datastoreItem xmlns:ds="http://schemas.openxmlformats.org/officeDocument/2006/customXml" ds:itemID="{4AEDF40A-C432-41BD-9360-5BDA75CC15AC}">
   <ds:schemaRefs>
-    <ds:schemaRef ds:uri="http://schemas.microsoft.com/sharepoint/v3/contenttype/forms"/>
+    <ds:schemaRef ds:uri="16822fe8-4949-411e-b509-0583e0da6ec6"/>
+    <ds:schemaRef ds:uri="b3e7612e-fdb2-4974-b106-74dc7088542d"/>
+    <ds:schemaRef ds:uri="http://purl.org/dc/elements/1.1/"/>
+    <ds:schemaRef ds:uri="http://purl.org/dc/terms/"/>
+    <ds:schemaRef ds:uri="http://schemas.microsoft.com/internal/obd"/>
+    <ds:schemaRef ds:uri="http://schemas.microsoft.com/office/2006/documentManagement/types"/>
+    <ds:schemaRef ds:uri="http://schemas.microsoft.com/office/2006/metadata/contentType"/>
+    <ds:schemaRef ds:uri="http://schemas.microsoft.com/office/2006/metadata/properties"/>
+    <ds:schemaRef ds:uri="http://schemas.microsoft.com/office/2006/metadata/properties/metaAttributes"/>
+    <ds:schemaRef ds:uri="http://schemas.microsoft.com/office/infopath/2007/PartnerControls"/>
+    <ds:schemaRef ds:uri="http://schemas.openxmlformats.org/package/2006/metadata/core-properties"/>
+    <ds:schemaRef ds:uri="http://www.w3.org/2001/XMLSchema"/>
   </ds:schemaRefs>
 </ds:datastoreItem>
 </file>
@@ -20893,20 +20904,9 @@
 </file>
 
 <file path=customXml/itemProps3.xml><?xml version="1.0" encoding="utf-8"?>
-<ds:datastoreItem xmlns:ds="http://schemas.openxmlformats.org/officeDocument/2006/customXml" ds:itemID="{4AEDF40A-C432-41BD-9360-5BDA75CC15AC}">
+<ds:datastoreItem xmlns:ds="http://schemas.openxmlformats.org/officeDocument/2006/customXml" ds:itemID="{CE1CAEE4-FACD-4E29-9FA2-1415ACCF9B2B}">
   <ds:schemaRefs>
-    <ds:schemaRef ds:uri="16822fe8-4949-411e-b509-0583e0da6ec6"/>
-    <ds:schemaRef ds:uri="b3e7612e-fdb2-4974-b106-74dc7088542d"/>
-    <ds:schemaRef ds:uri="http://purl.org/dc/elements/1.1/"/>
-    <ds:schemaRef ds:uri="http://purl.org/dc/terms/"/>
-    <ds:schemaRef ds:uri="http://schemas.microsoft.com/internal/obd"/>
-    <ds:schemaRef ds:uri="http://schemas.microsoft.com/office/2006/documentManagement/types"/>
-    <ds:schemaRef ds:uri="http://schemas.microsoft.com/office/2006/metadata/contentType"/>
-    <ds:schemaRef ds:uri="http://schemas.microsoft.com/office/2006/metadata/properties"/>
-    <ds:schemaRef ds:uri="http://schemas.microsoft.com/office/2006/metadata/properties/metaAttributes"/>
-    <ds:schemaRef ds:uri="http://schemas.microsoft.com/office/infopath/2007/PartnerControls"/>
-    <ds:schemaRef ds:uri="http://schemas.openxmlformats.org/package/2006/metadata/core-properties"/>
-    <ds:schemaRef ds:uri="http://www.w3.org/2001/XMLSchema"/>
+    <ds:schemaRef ds:uri="http://schemas.microsoft.com/sharepoint/v3/contenttype/forms"/>
   </ds:schemaRefs>
 </ds:datastoreItem>
 </file>
--- a/presentations/vcs-git-and-github.pptx
+++ b/presentations/vcs-git-and-github.pptx
@@ -232,7 +232,7 @@
           <a:p>
             <a:fld id="{78B2772D-67CF-446E-AB14-873D70346968}" type="datetimeFigureOut">
               <a:rPr lang="en-GB" smtClean="0"/>
-              <a:t>14/02/2022</a:t>
+              <a:t>24/10/2022</a:t>
             </a:fld>
             <a:endParaRPr lang="en-GB"/>
           </a:p>
@@ -1071,7 +1071,7 @@
           <a:p>
             <a:fld id="{6C25FA03-981D-3F4F-ABFD-F2CAE44CF4DF}" type="datetime1">
               <a:rPr lang="en-GB" smtClean="0"/>
-              <a:t>14/02/2022</a:t>
+              <a:t>24/10/2022</a:t>
             </a:fld>
             <a:endParaRPr lang="en-GB"/>
           </a:p>
@@ -1391,7 +1391,7 @@
           <a:p>
             <a:fld id="{AD447513-F0D7-9140-9852-9A843D8B81D3}" type="datetime1">
               <a:rPr lang="en-GB" smtClean="0"/>
-              <a:t>14/02/2022</a:t>
+              <a:t>24/10/2022</a:t>
             </a:fld>
             <a:endParaRPr lang="en-GB"/>
           </a:p>
@@ -1804,7 +1804,7 @@
           <a:p>
             <a:fld id="{4FC983D9-AEB3-884A-8B61-40B359253CCD}" type="datetime1">
               <a:rPr lang="en-GB" smtClean="0"/>
-              <a:t>14/02/2022</a:t>
+              <a:t>24/10/2022</a:t>
             </a:fld>
             <a:endParaRPr lang="en-GB"/>
           </a:p>
@@ -2839,7 +2839,7 @@
           <a:p>
             <a:fld id="{862EF5BF-54FA-BF48-B61D-2432192EF666}" type="datetime1">
               <a:rPr lang="en-GB" smtClean="0"/>
-              <a:t>14/02/2022</a:t>
+              <a:t>24/10/2022</a:t>
             </a:fld>
             <a:endParaRPr lang="en-GB"/>
           </a:p>
@@ -5958,7 +5958,7 @@
           <a:p>
             <a:fld id="{08B972FC-9C63-1B41-803B-B958A5F6CE25}" type="datetime1">
               <a:rPr lang="en-GB" smtClean="0"/>
-              <a:t>14/02/2022</a:t>
+              <a:t>24/10/2022</a:t>
             </a:fld>
             <a:endParaRPr lang="en-GB"/>
           </a:p>
@@ -6086,7 +6086,7 @@
           <a:p>
             <a:fld id="{05210873-7FD8-1244-ABA1-499AC4AF712B}" type="datetime1">
               <a:rPr lang="en-GB" smtClean="0"/>
-              <a:t>14/02/2022</a:t>
+              <a:t>24/10/2022</a:t>
             </a:fld>
             <a:endParaRPr lang="en-GB"/>
           </a:p>
@@ -6316,7 +6316,7 @@
           <a:p>
             <a:fld id="{5075CE0D-163E-D54F-96AD-C92D6F353048}" type="datetime1">
               <a:rPr lang="en-GB" smtClean="0"/>
-              <a:t>14/02/2022</a:t>
+              <a:t>24/10/2022</a:t>
             </a:fld>
             <a:endParaRPr lang="en-GB"/>
           </a:p>
@@ -7535,7 +7535,7 @@
           </a:ln>
           <a:extLst>
             <a:ext uri="{C572A759-6A51-4108-AA02-DFA0A04FC94B}">
-              <ma14:wrappingTextBoxFlag xmlns:ma14="http://schemas.microsoft.com/office/mac/drawingml/2011/main" xmlns="" val="1"/>
+              <ma14:wrappingTextBoxFlag xmlns="" xmlns:ma14="http://schemas.microsoft.com/office/mac/drawingml/2011/main" val="1"/>
             </a:ext>
           </a:extLst>
         </p:spPr>
@@ -7732,7 +7732,7 @@
           </a:ln>
           <a:extLst>
             <a:ext uri="{C572A759-6A51-4108-AA02-DFA0A04FC94B}">
-              <ma14:wrappingTextBoxFlag xmlns:ma14="http://schemas.microsoft.com/office/mac/drawingml/2011/main" xmlns="" val="1"/>
+              <ma14:wrappingTextBoxFlag xmlns="" xmlns:ma14="http://schemas.microsoft.com/office/mac/drawingml/2011/main" val="1"/>
             </a:ext>
           </a:extLst>
         </p:spPr>
@@ -7995,7 +7995,7 @@
           </a:ln>
           <a:extLst>
             <a:ext uri="{C572A759-6A51-4108-AA02-DFA0A04FC94B}">
-              <ma14:wrappingTextBoxFlag xmlns:ma14="http://schemas.microsoft.com/office/mac/drawingml/2011/main" xmlns="" val="1"/>
+              <ma14:wrappingTextBoxFlag xmlns="" xmlns:ma14="http://schemas.microsoft.com/office/mac/drawingml/2011/main" val="1"/>
             </a:ext>
           </a:extLst>
         </p:spPr>
@@ -9016,7 +9016,7 @@
           <a:p>
             <a:fld id="{330677AC-4808-7844-8878-C4DC36017FAF}" type="datetime1">
               <a:rPr lang="en-GB" smtClean="0"/>
-              <a:t>14/02/2022</a:t>
+              <a:t>24/10/2022</a:t>
             </a:fld>
             <a:endParaRPr lang="en-GB"/>
           </a:p>
@@ -9543,7 +9543,7 @@
           <a:p>
             <a:fld id="{05A8478A-EDB8-3145-A182-C5ED532937CD}" type="datetime1">
               <a:rPr lang="en-GB" smtClean="0"/>
-              <a:t>14/02/2022</a:t>
+              <a:t>24/10/2022</a:t>
             </a:fld>
             <a:endParaRPr lang="en-GB"/>
           </a:p>
@@ -9921,7 +9921,7 @@
           <a:p>
             <a:fld id="{3A861D55-4B75-6148-B497-8307DFA79D9F}" type="datetime1">
               <a:rPr lang="en-GB" smtClean="0"/>
-              <a:t>14/02/2022</a:t>
+              <a:t>24/10/2022</a:t>
             </a:fld>
             <a:endParaRPr lang="en-GB"/>
           </a:p>
@@ -10239,7 +10239,7 @@
           <a:p>
             <a:fld id="{23E27BC6-0B0F-3C48-A90A-106E7F9DC3AC}" type="datetime1">
               <a:rPr lang="en-GB" smtClean="0"/>
-              <a:t>14/02/2022</a:t>
+              <a:t>24/10/2022</a:t>
             </a:fld>
             <a:endParaRPr lang="en-GB"/>
           </a:p>
@@ -10621,7 +10621,7 @@
           <a:p>
             <a:fld id="{52156CEE-F6CC-7B46-8301-E62F55883839}" type="datetime1">
               <a:rPr lang="en-GB" smtClean="0"/>
-              <a:t>14/02/2022</a:t>
+              <a:t>24/10/2022</a:t>
             </a:fld>
             <a:endParaRPr lang="en-GB"/>
           </a:p>
@@ -11003,7 +11003,7 @@
           <a:p>
             <a:fld id="{F44621EF-E3B6-AC44-B311-3F80F8F520D1}" type="datetime1">
               <a:rPr lang="en-GB" smtClean="0"/>
-              <a:t>14/02/2022</a:t>
+              <a:t>24/10/2022</a:t>
             </a:fld>
             <a:endParaRPr lang="en-GB"/>
           </a:p>
@@ -11385,7 +11385,7 @@
           <a:p>
             <a:fld id="{D97C8151-BC5D-0342-B9A9-219468AF0BB5}" type="datetime1">
               <a:rPr lang="en-GB" smtClean="0"/>
-              <a:t>14/02/2022</a:t>
+              <a:t>24/10/2022</a:t>
             </a:fld>
             <a:endParaRPr lang="en-GB"/>
           </a:p>
@@ -11718,7 +11718,7 @@
           <a:p>
             <a:fld id="{31D05CA0-F179-1E48-8911-D48A170F3146}" type="datetime1">
               <a:rPr lang="en-GB" smtClean="0"/>
-              <a:t>14/02/2022</a:t>
+              <a:t>24/10/2022</a:t>
             </a:fld>
             <a:endParaRPr lang="en-GB"/>
           </a:p>
@@ -12991,7 +12991,7 @@
           <a:p>
             <a:r>
               <a:rPr lang="en-GB" dirty="0"/>
-              <a:t>February 2022</a:t>
+              <a:t>October 2022</a:t>
             </a:r>
           </a:p>
         </p:txBody>
@@ -16295,15 +16295,15 @@
           <a:lstStyle/>
           <a:p>
             <a:r>
-              <a:rPr lang="en-GB"/>
-              <a:t>Cameron McCormack</a:t>
-            </a:r>
-            <a:endParaRPr lang="en-US"/>
+              <a:rPr lang="en-GB" dirty="0"/>
+              <a:t>Carly Gilson</a:t>
+            </a:r>
+            <a:endParaRPr lang="en-US" dirty="0"/>
           </a:p>
           <a:p>
             <a:pPr lvl="1"/>
             <a:r>
-              <a:rPr lang="en-GB"/>
+              <a:rPr lang="en-GB" dirty="0"/>
               <a:t>Software Developer</a:t>
             </a:r>
           </a:p>
@@ -16338,9 +16338,10 @@
           <a:lstStyle/>
           <a:p>
             <a:r>
-              <a:rPr lang="en-GB"/>
-              <a:t>cameron.mccormack@softwire.com</a:t>
-            </a:r>
+              <a:rPr lang="en-GB" dirty="0" err="1"/>
+              <a:t>carly.gilson@softwire.com</a:t>
+            </a:r>
+            <a:endParaRPr lang="en-GB" dirty="0"/>
           </a:p>
         </p:txBody>
       </p:sp>
@@ -20636,6 +20637,12 @@
 </file>
 
 <file path=customXml/item1.xml><?xml version="1.0" encoding="utf-8"?>
+<p:properties xmlns:p="http://schemas.microsoft.com/office/2006/metadata/properties" xmlns:xsi="http://www.w3.org/2001/XMLSchema-instance" xmlns:pc="http://schemas.microsoft.com/office/infopath/2007/PartnerControls">
+  <documentManagement/>
+</p:properties>
+</file>
+
+<file path=customXml/item2.xml><?xml version="1.0" encoding="utf-8"?>
 <ct:contentTypeSchema xmlns:ct="http://schemas.microsoft.com/office/2006/metadata/contentType" xmlns:ma="http://schemas.microsoft.com/office/2006/metadata/properties/metaAttributes" ct:_="" ma:_="" ma:contentTypeName="Document" ma:contentTypeID="0x010100C41CF2333F1C904B80A4811D68B50097" ma:contentTypeVersion="12" ma:contentTypeDescription="Create a new document." ma:contentTypeScope="" ma:versionID="ed495581af461ca466c171f5b872cd83">
   <xsd:schema xmlns:xsd="http://www.w3.org/2001/XMLSchema" xmlns:xs="http://www.w3.org/2001/XMLSchema" xmlns:p="http://schemas.microsoft.com/office/2006/metadata/properties" xmlns:ns2="b3e7612e-fdb2-4974-b106-74dc7088542d" xmlns:ns3="16822fe8-4949-411e-b509-0583e0da6ec6" targetNamespace="http://schemas.microsoft.com/office/2006/metadata/properties" ma:root="true" ma:fieldsID="b031bb905399b1b75517dac07ffd7c20" ns2:_="" ns3:_="">
     <xsd:import namespace="b3e7612e-fdb2-4974-b106-74dc7088542d"/>
@@ -20852,12 +20859,6 @@
 </ct:contentTypeSchema>
 </file>
 
-<file path=customXml/item2.xml><?xml version="1.0" encoding="utf-8"?>
-<p:properties xmlns:p="http://schemas.microsoft.com/office/2006/metadata/properties" xmlns:xsi="http://www.w3.org/2001/XMLSchema-instance" xmlns:pc="http://schemas.microsoft.com/office/infopath/2007/PartnerControls">
-  <documentManagement/>
-</p:properties>
-</file>
-
 <file path=customXml/item3.xml><?xml version="1.0" encoding="utf-8"?>
 <?mso-contentType ?>
 <FormTemplates xmlns="http://schemas.microsoft.com/sharepoint/v3/contenttype/forms">
@@ -20868,6 +20869,23 @@
 </file>
 
 <file path=customXml/itemProps1.xml><?xml version="1.0" encoding="utf-8"?>
+<ds:datastoreItem xmlns:ds="http://schemas.openxmlformats.org/officeDocument/2006/customXml" ds:itemID="{7C3E776E-B10B-4ADA-92E8-25AFDF00BE65}">
+  <ds:schemaRefs>
+    <ds:schemaRef ds:uri="16822fe8-4949-411e-b509-0583e0da6ec6"/>
+    <ds:schemaRef ds:uri="b3e7612e-fdb2-4974-b106-74dc7088542d"/>
+    <ds:schemaRef ds:uri="http://purl.org/dc/dcmitype/"/>
+    <ds:schemaRef ds:uri="http://purl.org/dc/elements/1.1/"/>
+    <ds:schemaRef ds:uri="http://purl.org/dc/terms/"/>
+    <ds:schemaRef ds:uri="http://schemas.microsoft.com/office/2006/documentManagement/types"/>
+    <ds:schemaRef ds:uri="http://schemas.microsoft.com/office/2006/metadata/properties"/>
+    <ds:schemaRef ds:uri="http://schemas.microsoft.com/office/infopath/2007/PartnerControls"/>
+    <ds:schemaRef ds:uri="http://schemas.openxmlformats.org/package/2006/metadata/core-properties"/>
+    <ds:schemaRef ds:uri="http://www.w3.org/XML/1998/namespace"/>
+  </ds:schemaRefs>
+</ds:datastoreItem>
+</file>
+
+<file path=customXml/itemProps2.xml><?xml version="1.0" encoding="utf-8"?>
 <ds:datastoreItem xmlns:ds="http://schemas.openxmlformats.org/officeDocument/2006/customXml" ds:itemID="{4AEDF40A-C432-41BD-9360-5BDA75CC15AC}">
   <ds:schemaRefs>
     <ds:schemaRef ds:uri="16822fe8-4949-411e-b509-0583e0da6ec6"/>
@@ -20886,23 +20904,6 @@
 </ds:datastoreItem>
 </file>
 
-<file path=customXml/itemProps2.xml><?xml version="1.0" encoding="utf-8"?>
-<ds:datastoreItem xmlns:ds="http://schemas.openxmlformats.org/officeDocument/2006/customXml" ds:itemID="{7C3E776E-B10B-4ADA-92E8-25AFDF00BE65}">
-  <ds:schemaRefs>
-    <ds:schemaRef ds:uri="16822fe8-4949-411e-b509-0583e0da6ec6"/>
-    <ds:schemaRef ds:uri="b3e7612e-fdb2-4974-b106-74dc7088542d"/>
-    <ds:schemaRef ds:uri="http://purl.org/dc/dcmitype/"/>
-    <ds:schemaRef ds:uri="http://purl.org/dc/elements/1.1/"/>
-    <ds:schemaRef ds:uri="http://purl.org/dc/terms/"/>
-    <ds:schemaRef ds:uri="http://schemas.microsoft.com/office/2006/documentManagement/types"/>
-    <ds:schemaRef ds:uri="http://schemas.microsoft.com/office/2006/metadata/properties"/>
-    <ds:schemaRef ds:uri="http://schemas.microsoft.com/office/infopath/2007/PartnerControls"/>
-    <ds:schemaRef ds:uri="http://schemas.openxmlformats.org/package/2006/metadata/core-properties"/>
-    <ds:schemaRef ds:uri="http://www.w3.org/XML/1998/namespace"/>
-  </ds:schemaRefs>
-</ds:datastoreItem>
-</file>
-
 <file path=customXml/itemProps3.xml><?xml version="1.0" encoding="utf-8"?>
 <ds:datastoreItem xmlns:ds="http://schemas.openxmlformats.org/officeDocument/2006/customXml" ds:itemID="{CE1CAEE4-FACD-4E29-9FA2-1415ACCF9B2B}">
   <ds:schemaRefs>
